--- a/year-summary/src/丁亚宾-2017年度个人工作总结.pptx
+++ b/year-summary/src/丁亚宾-2017年度个人工作总结.pptx
@@ -20,7 +20,8 @@
     <p:sldId id="277" r:id="rId14"/>
     <p:sldId id="270" r:id="rId15"/>
     <p:sldId id="284" r:id="rId16"/>
-    <p:sldId id="280" r:id="rId17"/>
+    <p:sldId id="285" r:id="rId17"/>
+    <p:sldId id="280" r:id="rId18"/>
   </p:sldIdLst>
   <p:sldSz cx="12192000" cy="6858000"/>
   <p:notesSz cx="6858000" cy="9144000"/>
@@ -34275,6 +34276,961 @@
       </p:grpSpPr>
       <p:sp>
         <p:nvSpPr>
+          <p:cNvPr id="2" name="文本占位符 1"/>
+          <p:cNvSpPr>
+            <a:spLocks noGrp="1"/>
+          </p:cNvSpPr>
+          <p:nvPr>
+            <p:ph type="body" sz="quarter" idx="10"/>
+          </p:nvPr>
+        </p:nvSpPr>
+        <p:spPr/>
+        <p:txBody>
+          <a:bodyPr/>
+          <a:lstStyle/>
+          <a:p>
+            <a:r>
+              <a:rPr kumimoji="1" lang="en-US" altLang="zh-CN"/>
+              <a:t>PART</a:t>
+            </a:r>
+            <a:r>
+              <a:rPr kumimoji="1" lang="zh-CN" altLang="en-US"/>
+              <a:t> </a:t>
+            </a:r>
+            <a:r>
+              <a:rPr kumimoji="1" lang="en-US" altLang="zh-CN"/>
+              <a:t>Five</a:t>
+            </a:r>
+            <a:r>
+              <a:rPr kumimoji="1" lang="zh-CN" altLang="en-US"/>
+              <a:t> </a:t>
+            </a:r>
+            <a:r>
+              <a:rPr kumimoji="1" lang="zh-CN" altLang="en-US">
+                <a:latin typeface="Microsoft YaHei" charset="0"/>
+                <a:ea typeface="Microsoft YaHei" charset="0"/>
+              </a:rPr>
+              <a:t>意见及建议</a:t>
+            </a:r>
+            <a:endParaRPr kumimoji="1" lang="zh-CN" altLang="en-US" dirty="0">
+              <a:latin typeface="Microsoft YaHei" charset="0"/>
+              <a:ea typeface="Microsoft YaHei" charset="0"/>
+              <a:cs typeface="Microsoft YaHei" charset="0"/>
+            </a:endParaRPr>
+          </a:p>
+        </p:txBody>
+      </p:sp>
+      <p:sp>
+        <p:nvSpPr>
+          <p:cNvPr id="6" name="矩形 5"/>
+          <p:cNvSpPr/>
+          <p:nvPr/>
+        </p:nvSpPr>
+        <p:spPr>
+          <a:xfrm>
+            <a:off x="0" y="5156200"/>
+            <a:ext cx="12192000" cy="1701800"/>
+          </a:xfrm>
+          <a:prstGeom prst="rect">
+            <a:avLst/>
+          </a:prstGeom>
+          <a:solidFill>
+            <a:schemeClr val="accent4">
+              <a:lumMod val="90000"/>
+              <a:lumOff val="10000"/>
+            </a:schemeClr>
+          </a:solidFill>
+          <a:ln>
+            <a:noFill/>
+          </a:ln>
+        </p:spPr>
+        <p:style>
+          <a:lnRef idx="2">
+            <a:schemeClr val="accent1">
+              <a:shade val="50000"/>
+            </a:schemeClr>
+          </a:lnRef>
+          <a:fillRef idx="1">
+            <a:schemeClr val="accent1"/>
+          </a:fillRef>
+          <a:effectRef idx="0">
+            <a:schemeClr val="accent1"/>
+          </a:effectRef>
+          <a:fontRef idx="minor">
+            <a:schemeClr val="lt1"/>
+          </a:fontRef>
+        </p:style>
+        <p:txBody>
+          <a:bodyPr rtlCol="0" anchor="ctr"/>
+          <a:lstStyle/>
+          <a:p>
+            <a:pPr algn="ctr"/>
+            <a:endParaRPr kumimoji="1" lang="zh-CN" altLang="en-US"/>
+          </a:p>
+        </p:txBody>
+      </p:sp>
+      <p:sp>
+        <p:nvSpPr>
+          <p:cNvPr id="8" name="椭圆 7"/>
+          <p:cNvSpPr/>
+          <p:nvPr/>
+        </p:nvSpPr>
+        <p:spPr>
+          <a:xfrm>
+            <a:off x="3032054" y="4997820"/>
+            <a:ext cx="336550" cy="336550"/>
+          </a:xfrm>
+          <a:prstGeom prst="ellipse">
+            <a:avLst/>
+          </a:prstGeom>
+          <a:solidFill>
+            <a:schemeClr val="accent1">
+              <a:lumMod val="60000"/>
+              <a:lumOff val="40000"/>
+            </a:schemeClr>
+          </a:solidFill>
+          <a:ln>
+            <a:noFill/>
+          </a:ln>
+        </p:spPr>
+        <p:style>
+          <a:lnRef idx="2">
+            <a:schemeClr val="accent1">
+              <a:shade val="50000"/>
+            </a:schemeClr>
+          </a:lnRef>
+          <a:fillRef idx="1">
+            <a:schemeClr val="accent1"/>
+          </a:fillRef>
+          <a:effectRef idx="0">
+            <a:schemeClr val="accent1"/>
+          </a:effectRef>
+          <a:fontRef idx="minor">
+            <a:schemeClr val="lt1"/>
+          </a:fontRef>
+        </p:style>
+        <p:txBody>
+          <a:bodyPr rtlCol="0" anchor="ctr"/>
+          <a:lstStyle/>
+          <a:p>
+            <a:pPr algn="ctr"/>
+            <a:endParaRPr kumimoji="1" lang="zh-CN" altLang="en-US"/>
+          </a:p>
+        </p:txBody>
+      </p:sp>
+      <p:cxnSp>
+        <p:nvCxnSpPr>
+          <p:cNvPr id="11" name="直线连接符 10"/>
+          <p:cNvCxnSpPr/>
+          <p:nvPr/>
+        </p:nvCxnSpPr>
+        <p:spPr>
+          <a:xfrm flipV="1">
+            <a:off x="3200329" y="2661474"/>
+            <a:ext cx="0" cy="2336346"/>
+          </a:xfrm>
+          <a:prstGeom prst="line">
+            <a:avLst/>
+          </a:prstGeom>
+          <a:ln w="12700">
+            <a:solidFill>
+              <a:schemeClr val="accent1">
+                <a:lumMod val="60000"/>
+                <a:lumOff val="40000"/>
+              </a:schemeClr>
+            </a:solidFill>
+          </a:ln>
+        </p:spPr>
+        <p:style>
+          <a:lnRef idx="1">
+            <a:schemeClr val="accent1"/>
+          </a:lnRef>
+          <a:fillRef idx="0">
+            <a:schemeClr val="accent1"/>
+          </a:fillRef>
+          <a:effectRef idx="0">
+            <a:schemeClr val="accent1"/>
+          </a:effectRef>
+          <a:fontRef idx="minor">
+            <a:schemeClr val="tx1"/>
+          </a:fontRef>
+        </p:style>
+      </p:cxnSp>
+      <p:grpSp>
+        <p:nvGrpSpPr>
+          <p:cNvPr id="18" name="组 17"/>
+          <p:cNvGrpSpPr/>
+          <p:nvPr/>
+        </p:nvGrpSpPr>
+        <p:grpSpPr>
+          <a:xfrm>
+            <a:off x="1523940" y="1423446"/>
+            <a:ext cx="3491469" cy="1509902"/>
+            <a:chOff x="348425" y="1519789"/>
+            <a:chExt cx="2382900" cy="1233944"/>
+          </a:xfrm>
+        </p:grpSpPr>
+        <p:sp>
+          <p:nvSpPr>
+            <p:cNvPr id="14" name="圆角矩形 13"/>
+            <p:cNvSpPr/>
+            <p:nvPr/>
+          </p:nvSpPr>
+          <p:spPr>
+            <a:xfrm>
+              <a:off x="348425" y="1519789"/>
+              <a:ext cx="2382900" cy="1233944"/>
+            </a:xfrm>
+            <a:prstGeom prst="roundRect">
+              <a:avLst>
+                <a:gd name="adj" fmla="val 5050"/>
+              </a:avLst>
+            </a:prstGeom>
+            <a:ln>
+              <a:noFill/>
+            </a:ln>
+          </p:spPr>
+          <p:style>
+            <a:lnRef idx="2">
+              <a:schemeClr val="accent1">
+                <a:shade val="50000"/>
+              </a:schemeClr>
+            </a:lnRef>
+            <a:fillRef idx="1">
+              <a:schemeClr val="accent1"/>
+            </a:fillRef>
+            <a:effectRef idx="0">
+              <a:schemeClr val="accent1"/>
+            </a:effectRef>
+            <a:fontRef idx="minor">
+              <a:schemeClr val="lt1"/>
+            </a:fontRef>
+          </p:style>
+          <p:txBody>
+            <a:bodyPr rtlCol="0" anchor="ctr"/>
+            <a:lstStyle/>
+            <a:p>
+              <a:pPr algn="ctr"/>
+              <a:endParaRPr kumimoji="1" lang="zh-CN" altLang="en-US"/>
+            </a:p>
+          </p:txBody>
+        </p:sp>
+        <p:grpSp>
+          <p:nvGrpSpPr>
+            <p:cNvPr id="34" name="组 33"/>
+            <p:cNvGrpSpPr/>
+            <p:nvPr/>
+          </p:nvGrpSpPr>
+          <p:grpSpPr>
+            <a:xfrm>
+              <a:off x="443428" y="1561024"/>
+              <a:ext cx="2192894" cy="997971"/>
+              <a:chOff x="1314237" y="2353326"/>
+              <a:chExt cx="2192894" cy="997971"/>
+            </a:xfrm>
+          </p:grpSpPr>
+          <p:sp>
+            <p:nvSpPr>
+              <p:cNvPr id="35" name="文本框 34"/>
+              <p:cNvSpPr txBox="1"/>
+              <p:nvPr/>
+            </p:nvSpPr>
+            <p:spPr>
+              <a:xfrm>
+                <a:off x="1314237" y="2611497"/>
+                <a:ext cx="2192894" cy="739800"/>
+              </a:xfrm>
+              <a:prstGeom prst="rect">
+                <a:avLst/>
+              </a:prstGeom>
+              <a:noFill/>
+            </p:spPr>
+            <p:txBody>
+              <a:bodyPr wrap="square" rtlCol="0">
+                <a:spAutoFit/>
+              </a:bodyPr>
+              <a:lstStyle>
+                <a:defPPr>
+                  <a:defRPr lang="zh-CN"/>
+                </a:defPPr>
+                <a:lvl1pPr marL="0" algn="l" defTabSz="914400" rtl="0" eaLnBrk="1" latinLnBrk="0" hangingPunct="1">
+                  <a:defRPr sz="1800" kern="1200">
+                    <a:solidFill>
+                      <a:schemeClr val="tx1"/>
+                    </a:solidFill>
+                    <a:latin typeface="+mn-lt"/>
+                    <a:ea typeface="+mn-ea"/>
+                    <a:cs typeface="+mn-cs"/>
+                  </a:defRPr>
+                </a:lvl1pPr>
+                <a:lvl2pPr marL="457200" algn="l" defTabSz="914400" rtl="0" eaLnBrk="1" latinLnBrk="0" hangingPunct="1">
+                  <a:defRPr sz="1800" kern="1200">
+                    <a:solidFill>
+                      <a:schemeClr val="tx1"/>
+                    </a:solidFill>
+                    <a:latin typeface="+mn-lt"/>
+                    <a:ea typeface="+mn-ea"/>
+                    <a:cs typeface="+mn-cs"/>
+                  </a:defRPr>
+                </a:lvl2pPr>
+                <a:lvl3pPr marL="914400" algn="l" defTabSz="914400" rtl="0" eaLnBrk="1" latinLnBrk="0" hangingPunct="1">
+                  <a:defRPr sz="1800" kern="1200">
+                    <a:solidFill>
+                      <a:schemeClr val="tx1"/>
+                    </a:solidFill>
+                    <a:latin typeface="+mn-lt"/>
+                    <a:ea typeface="+mn-ea"/>
+                    <a:cs typeface="+mn-cs"/>
+                  </a:defRPr>
+                </a:lvl3pPr>
+                <a:lvl4pPr marL="1371600" algn="l" defTabSz="914400" rtl="0" eaLnBrk="1" latinLnBrk="0" hangingPunct="1">
+                  <a:defRPr sz="1800" kern="1200">
+                    <a:solidFill>
+                      <a:schemeClr val="tx1"/>
+                    </a:solidFill>
+                    <a:latin typeface="+mn-lt"/>
+                    <a:ea typeface="+mn-ea"/>
+                    <a:cs typeface="+mn-cs"/>
+                  </a:defRPr>
+                </a:lvl4pPr>
+                <a:lvl5pPr marL="1828800" algn="l" defTabSz="914400" rtl="0" eaLnBrk="1" latinLnBrk="0" hangingPunct="1">
+                  <a:defRPr sz="1800" kern="1200">
+                    <a:solidFill>
+                      <a:schemeClr val="tx1"/>
+                    </a:solidFill>
+                    <a:latin typeface="+mn-lt"/>
+                    <a:ea typeface="+mn-ea"/>
+                    <a:cs typeface="+mn-cs"/>
+                  </a:defRPr>
+                </a:lvl5pPr>
+                <a:lvl6pPr marL="2286000" algn="l" defTabSz="914400" rtl="0" eaLnBrk="1" latinLnBrk="0" hangingPunct="1">
+                  <a:defRPr sz="1800" kern="1200">
+                    <a:solidFill>
+                      <a:schemeClr val="tx1"/>
+                    </a:solidFill>
+                    <a:latin typeface="+mn-lt"/>
+                    <a:ea typeface="+mn-ea"/>
+                    <a:cs typeface="+mn-cs"/>
+                  </a:defRPr>
+                </a:lvl6pPr>
+                <a:lvl7pPr marL="2743200" algn="l" defTabSz="914400" rtl="0" eaLnBrk="1" latinLnBrk="0" hangingPunct="1">
+                  <a:defRPr sz="1800" kern="1200">
+                    <a:solidFill>
+                      <a:schemeClr val="tx1"/>
+                    </a:solidFill>
+                    <a:latin typeface="+mn-lt"/>
+                    <a:ea typeface="+mn-ea"/>
+                    <a:cs typeface="+mn-cs"/>
+                  </a:defRPr>
+                </a:lvl7pPr>
+                <a:lvl8pPr marL="3200400" algn="l" defTabSz="914400" rtl="0" eaLnBrk="1" latinLnBrk="0" hangingPunct="1">
+                  <a:defRPr sz="1800" kern="1200">
+                    <a:solidFill>
+                      <a:schemeClr val="tx1"/>
+                    </a:solidFill>
+                    <a:latin typeface="+mn-lt"/>
+                    <a:ea typeface="+mn-ea"/>
+                    <a:cs typeface="+mn-cs"/>
+                  </a:defRPr>
+                </a:lvl8pPr>
+                <a:lvl9pPr marL="3657600" algn="l" defTabSz="914400" rtl="0" eaLnBrk="1" latinLnBrk="0" hangingPunct="1">
+                  <a:defRPr sz="1800" kern="1200">
+                    <a:solidFill>
+                      <a:schemeClr val="tx1"/>
+                    </a:solidFill>
+                    <a:latin typeface="+mn-lt"/>
+                    <a:ea typeface="+mn-ea"/>
+                    <a:cs typeface="+mn-cs"/>
+                  </a:defRPr>
+                </a:lvl9pPr>
+              </a:lstStyle>
+              <a:p>
+                <a:pPr>
+                  <a:lnSpc>
+                    <a:spcPct val="130000"/>
+                  </a:lnSpc>
+                </a:pPr>
+                <a:r>
+                  <a:rPr lang="en-US" altLang="zh-CN" sz="1400">
+                    <a:solidFill>
+                      <a:schemeClr val="bg1"/>
+                    </a:solidFill>
+                    <a:latin typeface="Microsoft YaHei" charset="0"/>
+                    <a:ea typeface="Microsoft YaHei" charset="0"/>
+                  </a:rPr>
+                  <a:t>   2017</a:t>
+                </a:r>
+                <a:r>
+                  <a:rPr lang="zh-CN" altLang="en-US" sz="1400">
+                    <a:solidFill>
+                      <a:schemeClr val="bg1"/>
+                    </a:solidFill>
+                    <a:latin typeface="Microsoft YaHei" charset="0"/>
+                    <a:ea typeface="Microsoft YaHei" charset="0"/>
+                  </a:rPr>
+                  <a:t>年发生过两次邮箱被黑，收到钓鱼邮件的事件，希望新的一年里安全部门在这方面加大监控和打击力度。</a:t>
+                </a:r>
+                <a:endParaRPr lang="zh-CN" altLang="en-US" sz="1400" dirty="0">
+                  <a:solidFill>
+                    <a:schemeClr val="bg1"/>
+                  </a:solidFill>
+                  <a:latin typeface="Microsoft YaHei" charset="0"/>
+                  <a:ea typeface="Microsoft YaHei" charset="0"/>
+                </a:endParaRPr>
+              </a:p>
+            </p:txBody>
+          </p:sp>
+          <p:sp>
+            <p:nvSpPr>
+              <p:cNvPr id="36" name="矩形 35"/>
+              <p:cNvSpPr/>
+              <p:nvPr/>
+            </p:nvSpPr>
+            <p:spPr>
+              <a:xfrm>
+                <a:off x="2123633" y="2353326"/>
+                <a:ext cx="574102" cy="284501"/>
+              </a:xfrm>
+              <a:prstGeom prst="rect">
+                <a:avLst/>
+              </a:prstGeom>
+            </p:spPr>
+            <p:txBody>
+              <a:bodyPr wrap="none">
+                <a:spAutoFit/>
+              </a:bodyPr>
+              <a:lstStyle/>
+              <a:p>
+                <a:pPr lvl="0" algn="ctr">
+                  <a:lnSpc>
+                    <a:spcPct val="130000"/>
+                  </a:lnSpc>
+                </a:pPr>
+                <a:r>
+                  <a:rPr lang="zh-CN" altLang="en-US" sz="1200" b="1">
+                    <a:solidFill>
+                      <a:schemeClr val="bg1"/>
+                    </a:solidFill>
+                    <a:latin typeface="Microsoft YaHei" charset="0"/>
+                    <a:ea typeface="Microsoft YaHei" charset="0"/>
+                    <a:cs typeface="Microsoft YaHei" charset="0"/>
+                  </a:rPr>
+                  <a:t>安全方面</a:t>
+                </a:r>
+                <a:endParaRPr lang="en-US" altLang="zh-CN" sz="1200" b="1" dirty="0">
+                  <a:solidFill>
+                    <a:schemeClr val="bg1"/>
+                  </a:solidFill>
+                  <a:latin typeface="Microsoft YaHei" charset="0"/>
+                  <a:ea typeface="Microsoft YaHei" charset="0"/>
+                  <a:cs typeface="Microsoft YaHei" charset="0"/>
+                </a:endParaRPr>
+              </a:p>
+            </p:txBody>
+          </p:sp>
+        </p:grpSp>
+      </p:grpSp>
+      <p:sp>
+        <p:nvSpPr>
+          <p:cNvPr id="37" name="椭圆 36"/>
+          <p:cNvSpPr/>
+          <p:nvPr/>
+        </p:nvSpPr>
+        <p:spPr>
+          <a:xfrm>
+            <a:off x="3093391" y="2808513"/>
+            <a:ext cx="204308" cy="204308"/>
+          </a:xfrm>
+          <a:prstGeom prst="ellipse">
+            <a:avLst/>
+          </a:prstGeom>
+          <a:solidFill>
+            <a:schemeClr val="accent1">
+              <a:lumMod val="60000"/>
+              <a:lumOff val="40000"/>
+            </a:schemeClr>
+          </a:solidFill>
+          <a:ln>
+            <a:noFill/>
+          </a:ln>
+        </p:spPr>
+        <p:style>
+          <a:lnRef idx="2">
+            <a:schemeClr val="accent1">
+              <a:shade val="50000"/>
+            </a:schemeClr>
+          </a:lnRef>
+          <a:fillRef idx="1">
+            <a:schemeClr val="accent1"/>
+          </a:fillRef>
+          <a:effectRef idx="0">
+            <a:schemeClr val="accent1"/>
+          </a:effectRef>
+          <a:fontRef idx="minor">
+            <a:schemeClr val="lt1"/>
+          </a:fontRef>
+        </p:style>
+        <p:txBody>
+          <a:bodyPr rtlCol="0" anchor="ctr"/>
+          <a:lstStyle/>
+          <a:p>
+            <a:pPr algn="ctr"/>
+            <a:endParaRPr kumimoji="1" lang="zh-CN" altLang="en-US"/>
+          </a:p>
+        </p:txBody>
+      </p:sp>
+      <p:sp>
+        <p:nvSpPr>
+          <p:cNvPr id="98" name="椭圆 97"/>
+          <p:cNvSpPr/>
+          <p:nvPr/>
+        </p:nvSpPr>
+        <p:spPr>
+          <a:xfrm>
+            <a:off x="8612764" y="4997820"/>
+            <a:ext cx="336550" cy="336550"/>
+          </a:xfrm>
+          <a:prstGeom prst="ellipse">
+            <a:avLst/>
+          </a:prstGeom>
+          <a:solidFill>
+            <a:schemeClr val="tx1">
+              <a:lumMod val="50000"/>
+              <a:lumOff val="50000"/>
+            </a:schemeClr>
+          </a:solidFill>
+          <a:ln>
+            <a:noFill/>
+          </a:ln>
+        </p:spPr>
+        <p:style>
+          <a:lnRef idx="2">
+            <a:schemeClr val="accent1">
+              <a:shade val="50000"/>
+            </a:schemeClr>
+          </a:lnRef>
+          <a:fillRef idx="1">
+            <a:schemeClr val="accent1"/>
+          </a:fillRef>
+          <a:effectRef idx="0">
+            <a:schemeClr val="accent1"/>
+          </a:effectRef>
+          <a:fontRef idx="minor">
+            <a:schemeClr val="lt1"/>
+          </a:fontRef>
+        </p:style>
+        <p:txBody>
+          <a:bodyPr rtlCol="0" anchor="ctr"/>
+          <a:lstStyle/>
+          <a:p>
+            <a:pPr algn="ctr"/>
+            <a:endParaRPr kumimoji="1" lang="zh-CN" altLang="en-US"/>
+          </a:p>
+        </p:txBody>
+      </p:sp>
+      <p:cxnSp>
+        <p:nvCxnSpPr>
+          <p:cNvPr id="99" name="直线连接符 98"/>
+          <p:cNvCxnSpPr/>
+          <p:nvPr/>
+        </p:nvCxnSpPr>
+        <p:spPr>
+          <a:xfrm flipV="1">
+            <a:off x="8781039" y="2661474"/>
+            <a:ext cx="0" cy="2336346"/>
+          </a:xfrm>
+          <a:prstGeom prst="line">
+            <a:avLst/>
+          </a:prstGeom>
+          <a:ln w="12700">
+            <a:solidFill>
+              <a:schemeClr val="tx1">
+                <a:lumMod val="50000"/>
+                <a:lumOff val="50000"/>
+              </a:schemeClr>
+            </a:solidFill>
+          </a:ln>
+        </p:spPr>
+        <p:style>
+          <a:lnRef idx="1">
+            <a:schemeClr val="accent1"/>
+          </a:lnRef>
+          <a:fillRef idx="0">
+            <a:schemeClr val="accent1"/>
+          </a:fillRef>
+          <a:effectRef idx="0">
+            <a:schemeClr val="accent1"/>
+          </a:effectRef>
+          <a:fontRef idx="minor">
+            <a:schemeClr val="tx1"/>
+          </a:fontRef>
+        </p:style>
+      </p:cxnSp>
+      <p:grpSp>
+        <p:nvGrpSpPr>
+          <p:cNvPr id="100" name="组 99"/>
+          <p:cNvGrpSpPr/>
+          <p:nvPr/>
+        </p:nvGrpSpPr>
+        <p:grpSpPr>
+          <a:xfrm>
+            <a:off x="7107810" y="1423446"/>
+            <a:ext cx="3321436" cy="1509902"/>
+            <a:chOff x="348425" y="1519789"/>
+            <a:chExt cx="2382900" cy="1233944"/>
+          </a:xfrm>
+        </p:grpSpPr>
+        <p:sp>
+          <p:nvSpPr>
+            <p:cNvPr id="103" name="圆角矩形 102"/>
+            <p:cNvSpPr/>
+            <p:nvPr/>
+          </p:nvSpPr>
+          <p:spPr>
+            <a:xfrm>
+              <a:off x="348425" y="1519789"/>
+              <a:ext cx="2382900" cy="1233944"/>
+            </a:xfrm>
+            <a:prstGeom prst="roundRect">
+              <a:avLst>
+                <a:gd name="adj" fmla="val 5050"/>
+              </a:avLst>
+            </a:prstGeom>
+            <a:solidFill>
+              <a:schemeClr val="tx1">
+                <a:lumMod val="65000"/>
+                <a:lumOff val="35000"/>
+              </a:schemeClr>
+            </a:solidFill>
+            <a:ln>
+              <a:noFill/>
+            </a:ln>
+          </p:spPr>
+          <p:style>
+            <a:lnRef idx="2">
+              <a:schemeClr val="accent1">
+                <a:shade val="50000"/>
+              </a:schemeClr>
+            </a:lnRef>
+            <a:fillRef idx="1">
+              <a:schemeClr val="accent1"/>
+            </a:fillRef>
+            <a:effectRef idx="0">
+              <a:schemeClr val="accent1"/>
+            </a:effectRef>
+            <a:fontRef idx="minor">
+              <a:schemeClr val="lt1"/>
+            </a:fontRef>
+          </p:style>
+          <p:txBody>
+            <a:bodyPr rtlCol="0" anchor="ctr"/>
+            <a:lstStyle/>
+            <a:p>
+              <a:pPr algn="ctr"/>
+              <a:endParaRPr kumimoji="1" lang="zh-CN" altLang="en-US"/>
+            </a:p>
+          </p:txBody>
+        </p:sp>
+        <p:grpSp>
+          <p:nvGrpSpPr>
+            <p:cNvPr id="104" name="组 103"/>
+            <p:cNvGrpSpPr/>
+            <p:nvPr/>
+          </p:nvGrpSpPr>
+          <p:grpSpPr>
+            <a:xfrm>
+              <a:off x="443428" y="1548096"/>
+              <a:ext cx="2192894" cy="1073196"/>
+              <a:chOff x="1314237" y="2340398"/>
+              <a:chExt cx="2192894" cy="1073196"/>
+            </a:xfrm>
+          </p:grpSpPr>
+          <p:sp>
+            <p:nvSpPr>
+              <p:cNvPr id="105" name="文本框 104"/>
+              <p:cNvSpPr txBox="1"/>
+              <p:nvPr/>
+            </p:nvSpPr>
+            <p:spPr>
+              <a:xfrm>
+                <a:off x="1314237" y="2580106"/>
+                <a:ext cx="2192894" cy="833488"/>
+              </a:xfrm>
+              <a:prstGeom prst="rect">
+                <a:avLst/>
+              </a:prstGeom>
+              <a:noFill/>
+            </p:spPr>
+            <p:txBody>
+              <a:bodyPr wrap="square" rtlCol="0">
+                <a:spAutoFit/>
+              </a:bodyPr>
+              <a:lstStyle>
+                <a:defPPr>
+                  <a:defRPr lang="zh-CN"/>
+                </a:defPPr>
+                <a:lvl1pPr marL="0" algn="l" defTabSz="914400" rtl="0" eaLnBrk="1" latinLnBrk="0" hangingPunct="1">
+                  <a:defRPr sz="1800" kern="1200">
+                    <a:solidFill>
+                      <a:schemeClr val="tx1"/>
+                    </a:solidFill>
+                    <a:latin typeface="+mn-lt"/>
+                    <a:ea typeface="+mn-ea"/>
+                    <a:cs typeface="+mn-cs"/>
+                  </a:defRPr>
+                </a:lvl1pPr>
+                <a:lvl2pPr marL="457200" algn="l" defTabSz="914400" rtl="0" eaLnBrk="1" latinLnBrk="0" hangingPunct="1">
+                  <a:defRPr sz="1800" kern="1200">
+                    <a:solidFill>
+                      <a:schemeClr val="tx1"/>
+                    </a:solidFill>
+                    <a:latin typeface="+mn-lt"/>
+                    <a:ea typeface="+mn-ea"/>
+                    <a:cs typeface="+mn-cs"/>
+                  </a:defRPr>
+                </a:lvl2pPr>
+                <a:lvl3pPr marL="914400" algn="l" defTabSz="914400" rtl="0" eaLnBrk="1" latinLnBrk="0" hangingPunct="1">
+                  <a:defRPr sz="1800" kern="1200">
+                    <a:solidFill>
+                      <a:schemeClr val="tx1"/>
+                    </a:solidFill>
+                    <a:latin typeface="+mn-lt"/>
+                    <a:ea typeface="+mn-ea"/>
+                    <a:cs typeface="+mn-cs"/>
+                  </a:defRPr>
+                </a:lvl3pPr>
+                <a:lvl4pPr marL="1371600" algn="l" defTabSz="914400" rtl="0" eaLnBrk="1" latinLnBrk="0" hangingPunct="1">
+                  <a:defRPr sz="1800" kern="1200">
+                    <a:solidFill>
+                      <a:schemeClr val="tx1"/>
+                    </a:solidFill>
+                    <a:latin typeface="+mn-lt"/>
+                    <a:ea typeface="+mn-ea"/>
+                    <a:cs typeface="+mn-cs"/>
+                  </a:defRPr>
+                </a:lvl4pPr>
+                <a:lvl5pPr marL="1828800" algn="l" defTabSz="914400" rtl="0" eaLnBrk="1" latinLnBrk="0" hangingPunct="1">
+                  <a:defRPr sz="1800" kern="1200">
+                    <a:solidFill>
+                      <a:schemeClr val="tx1"/>
+                    </a:solidFill>
+                    <a:latin typeface="+mn-lt"/>
+                    <a:ea typeface="+mn-ea"/>
+                    <a:cs typeface="+mn-cs"/>
+                  </a:defRPr>
+                </a:lvl5pPr>
+                <a:lvl6pPr marL="2286000" algn="l" defTabSz="914400" rtl="0" eaLnBrk="1" latinLnBrk="0" hangingPunct="1">
+                  <a:defRPr sz="1800" kern="1200">
+                    <a:solidFill>
+                      <a:schemeClr val="tx1"/>
+                    </a:solidFill>
+                    <a:latin typeface="+mn-lt"/>
+                    <a:ea typeface="+mn-ea"/>
+                    <a:cs typeface="+mn-cs"/>
+                  </a:defRPr>
+                </a:lvl6pPr>
+                <a:lvl7pPr marL="2743200" algn="l" defTabSz="914400" rtl="0" eaLnBrk="1" latinLnBrk="0" hangingPunct="1">
+                  <a:defRPr sz="1800" kern="1200">
+                    <a:solidFill>
+                      <a:schemeClr val="tx1"/>
+                    </a:solidFill>
+                    <a:latin typeface="+mn-lt"/>
+                    <a:ea typeface="+mn-ea"/>
+                    <a:cs typeface="+mn-cs"/>
+                  </a:defRPr>
+                </a:lvl7pPr>
+                <a:lvl8pPr marL="3200400" algn="l" defTabSz="914400" rtl="0" eaLnBrk="1" latinLnBrk="0" hangingPunct="1">
+                  <a:defRPr sz="1800" kern="1200">
+                    <a:solidFill>
+                      <a:schemeClr val="tx1"/>
+                    </a:solidFill>
+                    <a:latin typeface="+mn-lt"/>
+                    <a:ea typeface="+mn-ea"/>
+                    <a:cs typeface="+mn-cs"/>
+                  </a:defRPr>
+                </a:lvl8pPr>
+                <a:lvl9pPr marL="3657600" algn="l" defTabSz="914400" rtl="0" eaLnBrk="1" latinLnBrk="0" hangingPunct="1">
+                  <a:defRPr sz="1800" kern="1200">
+                    <a:solidFill>
+                      <a:schemeClr val="tx1"/>
+                    </a:solidFill>
+                    <a:latin typeface="+mn-lt"/>
+                    <a:ea typeface="+mn-ea"/>
+                    <a:cs typeface="+mn-cs"/>
+                  </a:defRPr>
+                </a:lvl9pPr>
+              </a:lstStyle>
+              <a:p>
+                <a:pPr>
+                  <a:lnSpc>
+                    <a:spcPct val="130000"/>
+                  </a:lnSpc>
+                </a:pPr>
+                <a:r>
+                  <a:rPr lang="zh-CN" altLang="en-US" sz="1400">
+                    <a:solidFill>
+                      <a:schemeClr val="bg1"/>
+                    </a:solidFill>
+                    <a:latin typeface="Microsoft YaHei" charset="0"/>
+                    <a:ea typeface="Microsoft YaHei" charset="0"/>
+                    <a:cs typeface="Microsoft YaHei" charset="0"/>
+                  </a:rPr>
+                  <a:t>     之前实行的晚餐制度因种种原因搁置了，希望在新的一年里晚餐制度能重新回归！</a:t>
+                </a:r>
+                <a:endParaRPr lang="zh-CN" altLang="en-US" sz="1400" dirty="0">
+                  <a:solidFill>
+                    <a:schemeClr val="bg1"/>
+                  </a:solidFill>
+                  <a:latin typeface="Microsoft YaHei" charset="0"/>
+                  <a:ea typeface="Microsoft YaHei" charset="0"/>
+                  <a:cs typeface="Microsoft YaHei" charset="0"/>
+                </a:endParaRPr>
+              </a:p>
+            </p:txBody>
+          </p:sp>
+          <p:sp>
+            <p:nvSpPr>
+              <p:cNvPr id="106" name="矩形 105"/>
+              <p:cNvSpPr/>
+              <p:nvPr/>
+            </p:nvSpPr>
+            <p:spPr>
+              <a:xfrm>
+                <a:off x="2123634" y="2340398"/>
+                <a:ext cx="574102" cy="306049"/>
+              </a:xfrm>
+              <a:prstGeom prst="rect">
+                <a:avLst/>
+              </a:prstGeom>
+            </p:spPr>
+            <p:txBody>
+              <a:bodyPr wrap="none">
+                <a:spAutoFit/>
+              </a:bodyPr>
+              <a:lstStyle/>
+              <a:p>
+                <a:pPr lvl="0" algn="ctr">
+                  <a:lnSpc>
+                    <a:spcPct val="130000"/>
+                  </a:lnSpc>
+                </a:pPr>
+                <a:r>
+                  <a:rPr lang="zh-CN" altLang="en-US" sz="1200" b="1">
+                    <a:solidFill>
+                      <a:schemeClr val="bg1"/>
+                    </a:solidFill>
+                    <a:latin typeface="Microsoft YaHei" charset="0"/>
+                    <a:ea typeface="Microsoft YaHei" charset="0"/>
+                    <a:cs typeface="Microsoft YaHei" charset="0"/>
+                  </a:rPr>
+                  <a:t>工作方面</a:t>
+                </a:r>
+                <a:endParaRPr lang="en-US" altLang="zh-CN" sz="1200" b="1" dirty="0">
+                  <a:solidFill>
+                    <a:schemeClr val="bg1"/>
+                  </a:solidFill>
+                  <a:latin typeface="Microsoft YaHei" charset="0"/>
+                  <a:ea typeface="Microsoft YaHei" charset="0"/>
+                  <a:cs typeface="Microsoft YaHei" charset="0"/>
+                </a:endParaRPr>
+              </a:p>
+            </p:txBody>
+          </p:sp>
+        </p:grpSp>
+      </p:grpSp>
+      <p:sp>
+        <p:nvSpPr>
+          <p:cNvPr id="101" name="椭圆 100"/>
+          <p:cNvSpPr/>
+          <p:nvPr/>
+        </p:nvSpPr>
+        <p:spPr>
+          <a:xfrm>
+            <a:off x="8678885" y="2771288"/>
+            <a:ext cx="204308" cy="204308"/>
+          </a:xfrm>
+          <a:prstGeom prst="ellipse">
+            <a:avLst/>
+          </a:prstGeom>
+          <a:solidFill>
+            <a:schemeClr val="tx1">
+              <a:lumMod val="50000"/>
+              <a:lumOff val="50000"/>
+            </a:schemeClr>
+          </a:solidFill>
+          <a:ln>
+            <a:noFill/>
+          </a:ln>
+        </p:spPr>
+        <p:style>
+          <a:lnRef idx="2">
+            <a:schemeClr val="accent1">
+              <a:shade val="50000"/>
+            </a:schemeClr>
+          </a:lnRef>
+          <a:fillRef idx="1">
+            <a:schemeClr val="accent1"/>
+          </a:fillRef>
+          <a:effectRef idx="0">
+            <a:schemeClr val="accent1"/>
+          </a:effectRef>
+          <a:fontRef idx="minor">
+            <a:schemeClr val="lt1"/>
+          </a:fontRef>
+        </p:style>
+        <p:txBody>
+          <a:bodyPr rtlCol="0" anchor="ctr"/>
+          <a:lstStyle/>
+          <a:p>
+            <a:pPr algn="ctr"/>
+            <a:endParaRPr kumimoji="1" lang="zh-CN" altLang="en-US"/>
+          </a:p>
+        </p:txBody>
+      </p:sp>
+    </p:spTree>
+    <p:extLst>
+      <p:ext uri="{BB962C8B-B14F-4D97-AF65-F5344CB8AC3E}">
+        <p14:creationId xmlns:p14="http://schemas.microsoft.com/office/powerpoint/2010/main" val="793772410"/>
+      </p:ext>
+    </p:extLst>
+  </p:cSld>
+  <p:clrMapOvr>
+    <a:masterClrMapping/>
+  </p:clrMapOvr>
+  <mc:AlternateContent xmlns:mc="http://schemas.openxmlformats.org/markup-compatibility/2006" xmlns:p14="http://schemas.microsoft.com/office/powerpoint/2010/main">
+    <mc:Choice Requires="p14">
+      <p:transition spd="med" p14:dur="700">
+        <p:fade/>
+      </p:transition>
+    </mc:Choice>
+    <mc:Fallback xmlns="">
+      <p:transition spd="med">
+        <p:fade/>
+      </p:transition>
+    </mc:Fallback>
+  </mc:AlternateContent>
+</p:sld>
+</file>
+
+<file path=ppt/slides/slide17.xml><?xml version="1.0" encoding="utf-8"?>
+<p:sld xmlns:a="http://schemas.openxmlformats.org/drawingml/2006/main" xmlns:r="http://schemas.openxmlformats.org/officeDocument/2006/relationships" xmlns:p="http://schemas.openxmlformats.org/presentationml/2006/main">
+  <p:cSld>
+    <p:spTree>
+      <p:nvGrpSpPr>
+        <p:cNvPr id="1" name=""/>
+        <p:cNvGrpSpPr/>
+        <p:nvPr/>
+      </p:nvGrpSpPr>
+      <p:grpSpPr>
+        <a:xfrm>
+          <a:off x="0" y="0"/>
+          <a:ext cx="0" cy="0"/>
+          <a:chOff x="0" y="0"/>
+          <a:chExt cx="0" cy="0"/>
+        </a:xfrm>
+      </p:grpSpPr>
+      <p:sp>
+        <p:nvSpPr>
           <p:cNvPr id="117" name="矩形 116"/>
           <p:cNvSpPr/>
           <p:nvPr/>
@@ -41903,7 +42859,7 @@
         </p:nvSpPr>
         <p:spPr>
           <a:xfrm flipH="1">
-            <a:off x="8560067" y="1303927"/>
+            <a:off x="8286687" y="1303927"/>
             <a:ext cx="3499428" cy="5329933"/>
           </a:xfrm>
           <a:custGeom>
@@ -42026,7 +42982,7 @@
         </p:nvSpPr>
         <p:spPr>
           <a:xfrm>
-            <a:off x="8603535" y="2770084"/>
+            <a:off x="8330155" y="2770084"/>
             <a:ext cx="3499428" cy="2757678"/>
           </a:xfrm>
           <a:prstGeom prst="rect">
@@ -42242,7 +43198,7 @@
         </p:nvSpPr>
         <p:spPr>
           <a:xfrm>
-            <a:off x="9417140" y="688284"/>
+            <a:off x="9143760" y="688284"/>
             <a:ext cx="1723549" cy="452432"/>
           </a:xfrm>
           <a:prstGeom prst="rect">
@@ -42291,7 +43247,7 @@
         </p:nvSpPr>
         <p:spPr>
           <a:xfrm>
-            <a:off x="8680164" y="1533028"/>
+            <a:off x="8406784" y="1533028"/>
             <a:ext cx="3133444" cy="1384995"/>
           </a:xfrm>
           <a:prstGeom prst="rect">
@@ -42392,14 +43348,14 @@
           <p:nvPr>
             <p:extLst>
               <p:ext uri="{D42A27DB-BD31-4B8C-83A1-F6EECF244321}">
-                <p14:modId xmlns:p14="http://schemas.microsoft.com/office/powerpoint/2010/main" val="963562357"/>
+                <p14:modId xmlns:p14="http://schemas.microsoft.com/office/powerpoint/2010/main" val="1637898016"/>
               </p:ext>
             </p:extLst>
           </p:nvPr>
         </p:nvGraphicFramePr>
         <p:xfrm>
           <a:off x="378392" y="1178933"/>
-          <a:ext cx="8049171" cy="5418667"/>
+          <a:ext cx="7766367" cy="5418667"/>
         </p:xfrm>
         <a:graphic>
           <a:graphicData uri="http://schemas.openxmlformats.org/drawingml/2006/chart">
@@ -42561,7 +43517,7 @@
         </p:nvSpPr>
         <p:spPr>
           <a:xfrm flipH="1">
-            <a:off x="8155563" y="2077130"/>
+            <a:off x="7957597" y="2077130"/>
             <a:ext cx="3648443" cy="4656179"/>
           </a:xfrm>
           <a:custGeom>
@@ -42705,7 +43661,7 @@
         </p:nvSpPr>
         <p:spPr>
           <a:xfrm>
-            <a:off x="8297037" y="2776450"/>
+            <a:off x="8099071" y="2776450"/>
             <a:ext cx="3087756" cy="3293209"/>
           </a:xfrm>
           <a:prstGeom prst="rect">
@@ -42775,7 +43731,7 @@
         </p:nvSpPr>
         <p:spPr>
           <a:xfrm>
-            <a:off x="8297037" y="2108821"/>
+            <a:off x="8099071" y="2108821"/>
             <a:ext cx="2759871" cy="830997"/>
           </a:xfrm>
           <a:prstGeom prst="rect">
@@ -42826,7 +43782,7 @@
         </p:nvSpPr>
         <p:spPr>
           <a:xfrm>
-            <a:off x="8455844" y="1576834"/>
+            <a:off x="8257878" y="1576834"/>
             <a:ext cx="3167980" cy="677108"/>
           </a:xfrm>
           <a:prstGeom prst="rect">
